--- a/mhw1.pptx
+++ b/mhw1.pptx
@@ -6,9 +6,10 @@
   </p:sldMasterIdLst>
   <p:sldIdLst>
     <p:sldId id="257" r:id="rId2"/>
-    <p:sldId id="256" r:id="rId3"/>
-    <p:sldId id="259" r:id="rId4"/>
-    <p:sldId id="258" r:id="rId5"/>
+    <p:sldId id="260" r:id="rId3"/>
+    <p:sldId id="256" r:id="rId4"/>
+    <p:sldId id="259" r:id="rId5"/>
+    <p:sldId id="258" r:id="rId6"/>
   </p:sldIdLst>
   <p:sldSz cx="12192000" cy="6858000"/>
   <p:notesSz cx="6858000" cy="9144000"/>
@@ -113,60 +114,6 @@
     </p:ext>
   </p:extLst>
 </p:presentation>
-</file>
-
-<file path=ppt/ink/ink1.xml><?xml version="1.0" encoding="utf-8"?>
-<inkml:ink xmlns:inkml="http://www.w3.org/2003/InkML">
-  <inkml:definitions>
-    <inkml:context xml:id="ctx0">
-      <inkml:inkSource xml:id="inkSrc0">
-        <inkml:traceFormat>
-          <inkml:channel name="X" type="integer" min="-2.14748E9" max="2.14748E9" units="cm"/>
-          <inkml:channel name="Y" type="integer" min="-2.14748E9" max="2.14748E9" units="cm"/>
-        </inkml:traceFormat>
-        <inkml:channelProperties>
-          <inkml:channelProperty channel="X" name="resolution" value="1000" units="1/cm"/>
-          <inkml:channelProperty channel="Y" name="resolution" value="1000" units="1/cm"/>
-        </inkml:channelProperties>
-      </inkml:inkSource>
-      <inkml:timestamp xml:id="ts0" timeString="2021-03-27T19:19:56.166"/>
-    </inkml:context>
-    <inkml:brush xml:id="br0">
-      <inkml:brushProperty name="width" value="0.05" units="cm"/>
-      <inkml:brushProperty name="height" value="0.05" units="cm"/>
-      <inkml:brushProperty name="color" value="#E71224"/>
-      <inkml:brushProperty name="ignorePressure" value="1"/>
-    </inkml:brush>
-  </inkml:definitions>
-  <inkml:trace contextRef="#ctx0" brushRef="#br0">0 1,'611'0,"-596"1,1 1,0 0,-1 1,0 1,25 10,-22-8,0 0,1-1,22 3,-33-8,0 1,0 1,-1 0,1 0,0 0,-1 1,1 0,-1 0,11 8,-14-8,0-1,-1 2,0-1,0 0,0 1,0-1,0 1,-1 0,1 0,-1 0,0 0,0 0,-1 1,1-1,-1 1,0-1,0 1,0 4,2 46,-5 79,-1-30,3 266,0-366,0 0,0 0,0 0,-1 0,1 0,-1-1,0 1,0 0,0 0,-1-1,1 1,-1-1,0 1,-3 4,2-6,1 0,-1 1,0-1,0-1,0 1,0 0,0-1,0 1,-1-1,1 0,0 0,-1 0,1-1,-1 1,1-1,-6 0,-185-1,66-3,51 3,-84 3,53 21,88-20</inkml:trace>
-</inkml:ink>
-</file>
-
-<file path=ppt/ink/ink2.xml><?xml version="1.0" encoding="utf-8"?>
-<inkml:ink xmlns:inkml="http://www.w3.org/2003/InkML">
-  <inkml:definitions>
-    <inkml:context xml:id="ctx0">
-      <inkml:inkSource xml:id="inkSrc0">
-        <inkml:traceFormat>
-          <inkml:channel name="X" type="integer" min="-2.14748E9" max="2.14748E9" units="cm"/>
-          <inkml:channel name="Y" type="integer" min="-2.14748E9" max="2.14748E9" units="cm"/>
-        </inkml:traceFormat>
-        <inkml:channelProperties>
-          <inkml:channelProperty channel="X" name="resolution" value="1000" units="1/cm"/>
-          <inkml:channelProperty channel="Y" name="resolution" value="1000" units="1/cm"/>
-        </inkml:channelProperties>
-      </inkml:inkSource>
-      <inkml:timestamp xml:id="ts0" timeString="2021-03-27T19:20:16.618"/>
-    </inkml:context>
-    <inkml:brush xml:id="br0">
-      <inkml:brushProperty name="width" value="0.05" units="cm"/>
-      <inkml:brushProperty name="height" value="0.05" units="cm"/>
-      <inkml:brushProperty name="color" value="#E71224"/>
-      <inkml:brushProperty name="ignorePressure" value="1"/>
-    </inkml:brush>
-  </inkml:definitions>
-  <inkml:trace contextRef="#ctx0" brushRef="#br0">1 0,'0'0</inkml:trace>
-</inkml:ink>
 </file>
 
 <file path=ppt/slideLayouts/slideLayout1.xml><?xml version="1.0" encoding="utf-8"?>
@@ -3410,7 +3357,7 @@
           <a:lstStyle/>
           <a:p>
             <a:r>
-              <a:rPr lang="it-IT" dirty="0"/>
+              <a:rPr lang="it-IT"/>
               <a:t>PowerPoint MiniHomework1 Aldo Barca O46002236</a:t>
             </a:r>
           </a:p>
@@ -3448,6 +3395,101 @@
       </p:grpSpPr>
       <p:sp>
         <p:nvSpPr>
+          <p:cNvPr id="2" name="Titolo 1">
+            <a:extLst>
+              <a:ext uri="{FF2B5EF4-FFF2-40B4-BE49-F238E27FC236}">
+                <a16:creationId xmlns:a16="http://schemas.microsoft.com/office/drawing/2014/main" id="{B9954833-D155-4B4C-8EB5-5506E852B594}"/>
+              </a:ext>
+            </a:extLst>
+          </p:cNvPr>
+          <p:cNvSpPr>
+            <a:spLocks noGrp="1"/>
+          </p:cNvSpPr>
+          <p:nvPr>
+            <p:ph type="title"/>
+          </p:nvPr>
+        </p:nvSpPr>
+        <p:spPr/>
+        <p:txBody>
+          <a:bodyPr/>
+          <a:lstStyle/>
+          <a:p>
+            <a:endParaRPr lang="it-IT"/>
+          </a:p>
+        </p:txBody>
+      </p:sp>
+      <p:sp>
+        <p:nvSpPr>
+          <p:cNvPr id="3" name="Segnaposto contenuto 2">
+            <a:extLst>
+              <a:ext uri="{FF2B5EF4-FFF2-40B4-BE49-F238E27FC236}">
+                <a16:creationId xmlns:a16="http://schemas.microsoft.com/office/drawing/2014/main" id="{F2EA7216-D094-489A-B791-63F1C67907AA}"/>
+              </a:ext>
+            </a:extLst>
+          </p:cNvPr>
+          <p:cNvSpPr>
+            <a:spLocks noGrp="1"/>
+          </p:cNvSpPr>
+          <p:nvPr>
+            <p:ph idx="1"/>
+          </p:nvPr>
+        </p:nvSpPr>
+        <p:spPr/>
+        <p:txBody>
+          <a:bodyPr/>
+          <a:lstStyle/>
+          <a:p>
+            <a:pPr marL="0" indent="0">
+              <a:buNone/>
+            </a:pPr>
+            <a:r>
+              <a:rPr lang="it-IT"/>
+              <a:t>Il sito che ho deciso di creare ha come base il database fatto nel modulo precedente.</a:t>
+            </a:r>
+          </a:p>
+          <a:p>
+            <a:pPr marL="0" indent="0">
+              <a:buNone/>
+            </a:pPr>
+            <a:r>
+              <a:rPr lang="it-IT"/>
+              <a:t>Ho pensato ad un design più snello possibile ma che allo stesso tempo sia dignitoso dal punto di vista estetico sia funzionale cosi da poter avere uno scheletro per molte funzionalità utili per un ipotetico cittadino che voglia informarsi su personale e reparti. </a:t>
+            </a:r>
+          </a:p>
+        </p:txBody>
+      </p:sp>
+    </p:spTree>
+    <p:extLst>
+      <p:ext uri="{BB962C8B-B14F-4D97-AF65-F5344CB8AC3E}">
+        <p14:creationId xmlns:p14="http://schemas.microsoft.com/office/powerpoint/2010/main" val="3630330321"/>
+      </p:ext>
+    </p:extLst>
+  </p:cSld>
+  <p:clrMapOvr>
+    <a:masterClrMapping/>
+  </p:clrMapOvr>
+</p:sld>
+</file>
+
+<file path=ppt/slides/slide3.xml><?xml version="1.0" encoding="utf-8"?>
+<p:sld xmlns:a="http://purl.oclc.org/ooxml/drawingml/main" xmlns:r="http://purl.oclc.org/ooxml/officeDocument/relationships" xmlns:p="http://purl.oclc.org/ooxml/presentationml/main">
+  <p:cSld>
+    <p:spTree>
+      <p:nvGrpSpPr>
+        <p:cNvPr id="1" name=""/>
+        <p:cNvGrpSpPr/>
+        <p:nvPr/>
+      </p:nvGrpSpPr>
+      <p:grpSpPr>
+        <a:xfrm>
+          <a:off x="0" y="0"/>
+          <a:ext cx="0" cy="0"/>
+          <a:chOff x="0" y="0"/>
+          <a:chExt cx="0" cy="0"/>
+        </a:xfrm>
+      </p:grpSpPr>
+      <p:sp>
+        <p:nvSpPr>
           <p:cNvPr id="12" name="Titolo 11">
             <a:extLst>
               <a:ext uri="{FF2B5EF4-FFF2-40B4-BE49-F238E27FC236}">
@@ -3475,31 +3517,15 @@
           <a:lstStyle/>
           <a:p>
             <a:r>
-              <a:rPr lang="it-IT" sz="1500" dirty="0">
+              <a:rPr lang="it-IT" sz="1500">
                 <a:solidFill>
                   <a:srgbClr val="FF0000"/>
                 </a:solidFill>
               </a:rPr>
-              <a:t>50px </a:t>
-            </a:r>
-            <a:r>
-              <a:rPr lang="it-IT" sz="1500" dirty="0" err="1">
-                <a:solidFill>
-                  <a:srgbClr val="FF0000"/>
-                </a:solidFill>
-              </a:rPr>
-              <a:t>height</a:t>
-            </a:r>
-            <a:r>
-              <a:rPr lang="it-IT" sz="1500" dirty="0">
-                <a:solidFill>
-                  <a:srgbClr val="FF0000"/>
-                </a:solidFill>
-              </a:rPr>
-              <a:t> e </a:t>
-            </a:r>
-            <a:r>
-              <a:rPr lang="it-IT" sz="1500" dirty="0" err="1">
+              <a:t>50px height e </a:t>
+            </a:r>
+            <a:r>
+              <a:rPr lang="it-IT" sz="1500" err="1">
                 <a:solidFill>
                   <a:srgbClr val="FF0000"/>
                 </a:solidFill>
@@ -3507,7 +3533,7 @@
               <a:t>width</a:t>
             </a:r>
             <a:r>
-              <a:rPr lang="it-IT" sz="1500" dirty="0">
+              <a:rPr lang="it-IT" sz="1500">
                 <a:solidFill>
                   <a:srgbClr val="FF0000"/>
                 </a:solidFill>
@@ -3547,297 +3573,6 @@
           </a:prstGeom>
         </p:spPr>
       </p:pic>
-      <mc:AlternateContent xmlns:mc="http://schemas.openxmlformats.org/markup-compatibility/2006" xmlns:p14="http://schemas.microsoft.com/office/powerpoint/2010/main">
-        <mc:Choice Requires="p14">
-          <p:contentPart p14:bwMode="auto" r:id="rId3">
-            <p14:nvContentPartPr>
-              <p14:cNvPr id="26" name="Input penna 25">
-                <a:extLst>
-                  <a:ext uri="{FF2B5EF4-FFF2-40B4-BE49-F238E27FC236}">
-                    <a16:creationId xmlns:a16="http://schemas.microsoft.com/office/drawing/2014/main" id="{80E1BF58-D697-4E91-9B0F-C03EBE982072}"/>
-                  </a:ext>
-                </a:extLst>
-              </p14:cNvPr>
-              <p14:cNvContentPartPr/>
-              <p14:nvPr/>
-            </p14:nvContentPartPr>
-            <p14:xfrm>
-              <a:off x="9076860" y="723450"/>
-              <a:ext cx="345240" cy="333720"/>
-            </p14:xfrm>
-          </p:contentPart>
-        </mc:Choice>
-        <mc:Fallback xmlns:p="http://schemas.openxmlformats.org/presentationml/2006/main" xmlns:r="http://schemas.openxmlformats.org/officeDocument/2006/relationships" xmlns:a="http://schemas.openxmlformats.org/drawingml/2006/main" xmlns="">
-          <p:pic>
-            <p:nvPicPr>
-              <p:cNvPr id="26" name="Input penna 25">
-                <a:extLst>
-                  <a:ext uri="{FF2B5EF4-FFF2-40B4-BE49-F238E27FC236}">
-                    <a16:creationId xmlns:a16="http://schemas.microsoft.com/office/drawing/2014/main" id="{80E1BF58-D697-4E91-9B0F-C03EBE982072}"/>
-                  </a:ext>
-                </a:extLst>
-              </p:cNvPr>
-              <p:cNvPicPr/>
-              <p:nvPr/>
-            </p:nvPicPr>
-            <p:blipFill>
-              <a:blip r:embed="rId4"/>
-              <a:stretch>
-                <a:fillRect/>
-              </a:stretch>
-            </p:blipFill>
-            <p:spPr>
-              <a:xfrm>
-                <a:off x="9067860" y="714810"/>
-                <a:ext cx="362880" cy="351360"/>
-              </a:xfrm>
-              <a:prstGeom prst="rect">
-                <a:avLst/>
-              </a:prstGeom>
-            </p:spPr>
-          </p:pic>
-        </mc:Fallback>
-      </mc:AlternateContent>
-      <mc:AlternateContent xmlns:mc="http://schemas.openxmlformats.org/markup-compatibility/2006" xmlns:p14="http://schemas.microsoft.com/office/powerpoint/2010/main">
-        <mc:Choice Requires="p14">
-          <p:contentPart p14:bwMode="auto" r:id="rId5">
-            <p14:nvContentPartPr>
-              <p14:cNvPr id="27" name="Input penna 26">
-                <a:extLst>
-                  <a:ext uri="{FF2B5EF4-FFF2-40B4-BE49-F238E27FC236}">
-                    <a16:creationId xmlns:a16="http://schemas.microsoft.com/office/drawing/2014/main" id="{D0F22CB6-79F5-4F3A-83A6-442A4905FC2A}"/>
-                  </a:ext>
-                </a:extLst>
-              </p14:cNvPr>
-              <p14:cNvContentPartPr/>
-              <p14:nvPr/>
-            </p14:nvContentPartPr>
-            <p14:xfrm>
-              <a:off x="1675980" y="1990290"/>
-              <a:ext cx="360" cy="360"/>
-            </p14:xfrm>
-          </p:contentPart>
-        </mc:Choice>
-        <mc:Fallback xmlns:p="http://schemas.openxmlformats.org/presentationml/2006/main" xmlns:r="http://schemas.openxmlformats.org/officeDocument/2006/relationships" xmlns:a="http://schemas.openxmlformats.org/drawingml/2006/main" xmlns="">
-          <p:pic>
-            <p:nvPicPr>
-              <p:cNvPr id="27" name="Input penna 26">
-                <a:extLst>
-                  <a:ext uri="{FF2B5EF4-FFF2-40B4-BE49-F238E27FC236}">
-                    <a16:creationId xmlns:a16="http://schemas.microsoft.com/office/drawing/2014/main" id="{D0F22CB6-79F5-4F3A-83A6-442A4905FC2A}"/>
-                  </a:ext>
-                </a:extLst>
-              </p:cNvPr>
-              <p:cNvPicPr/>
-              <p:nvPr/>
-            </p:nvPicPr>
-            <p:blipFill>
-              <a:blip r:embed="rId6"/>
-              <a:stretch>
-                <a:fillRect/>
-              </a:stretch>
-            </p:blipFill>
-            <p:spPr>
-              <a:xfrm>
-                <a:off x="1667340" y="1981290"/>
-                <a:ext cx="18000" cy="18000"/>
-              </a:xfrm>
-              <a:prstGeom prst="rect">
-                <a:avLst/>
-              </a:prstGeom>
-            </p:spPr>
-          </p:pic>
-        </mc:Fallback>
-      </mc:AlternateContent>
-      <p:sp>
-        <p:nvSpPr>
-          <p:cNvPr id="30" name="Titolo 11">
-            <a:extLst>
-              <a:ext uri="{FF2B5EF4-FFF2-40B4-BE49-F238E27FC236}">
-                <a16:creationId xmlns:a16="http://schemas.microsoft.com/office/drawing/2014/main" id="{89A903A3-7770-47C7-884C-723D58CDB5E0}"/>
-              </a:ext>
-            </a:extLst>
-          </p:cNvPr>
-          <p:cNvSpPr txBox="1">
-            <a:spLocks/>
-          </p:cNvSpPr>
-          <p:nvPr/>
-        </p:nvSpPr>
-        <p:spPr>
-          <a:xfrm>
-            <a:off x="10092531" y="4200525"/>
-            <a:ext cx="842169" cy="600075"/>
-          </a:xfrm>
-          <a:prstGeom prst="rect">
-            <a:avLst/>
-          </a:prstGeom>
-        </p:spPr>
-        <p:txBody>
-          <a:bodyPr vert="horz" lIns="91440" tIns="45720" rIns="91440" bIns="45720" rtlCol="0" anchor="b">
-            <a:normAutofit/>
-          </a:bodyPr>
-          <a:lstStyle>
-            <a:lvl1pPr algn="l" defTabSz="914400" rtl="0" eaLnBrk="1" latinLnBrk="0" hangingPunct="1">
-              <a:lnSpc>
-                <a:spcPct val="90%"/>
-              </a:lnSpc>
-              <a:spcBef>
-                <a:spcPct val="0%"/>
-              </a:spcBef>
-              <a:buNone/>
-              <a:defRPr sz="3200" kern="1200">
-                <a:solidFill>
-                  <a:schemeClr val="tx1"/>
-                </a:solidFill>
-                <a:latin typeface="+mj-lt"/>
-                <a:ea typeface="+mj-ea"/>
-                <a:cs typeface="+mj-cs"/>
-              </a:defRPr>
-            </a:lvl1pPr>
-          </a:lstStyle>
-          <a:p>
-            <a:r>
-              <a:rPr lang="it-IT" sz="1500">
-                <a:solidFill>
-                  <a:srgbClr val="FF0000"/>
-                </a:solidFill>
-              </a:rPr>
-              <a:t>15</a:t>
-            </a:r>
-            <a:endParaRPr lang="it-IT" sz="1500" dirty="0">
-              <a:solidFill>
-                <a:srgbClr val="FF0000"/>
-              </a:solidFill>
-            </a:endParaRPr>
-          </a:p>
-        </p:txBody>
-      </p:sp>
-      <p:sp>
-        <p:nvSpPr>
-          <p:cNvPr id="31" name="Titolo 11">
-            <a:extLst>
-              <a:ext uri="{FF2B5EF4-FFF2-40B4-BE49-F238E27FC236}">
-                <a16:creationId xmlns:a16="http://schemas.microsoft.com/office/drawing/2014/main" id="{B048EC89-7FBF-461B-9D3F-DF15FC7C6821}"/>
-              </a:ext>
-            </a:extLst>
-          </p:cNvPr>
-          <p:cNvSpPr txBox="1">
-            <a:spLocks/>
-          </p:cNvSpPr>
-          <p:nvPr/>
-        </p:nvSpPr>
-        <p:spPr>
-          <a:xfrm>
-            <a:off x="10244931" y="4352925"/>
-            <a:ext cx="842169" cy="600075"/>
-          </a:xfrm>
-          <a:prstGeom prst="rect">
-            <a:avLst/>
-          </a:prstGeom>
-        </p:spPr>
-        <p:txBody>
-          <a:bodyPr vert="horz" lIns="91440" tIns="45720" rIns="91440" bIns="45720" rtlCol="0" anchor="b">
-            <a:normAutofit/>
-          </a:bodyPr>
-          <a:lstStyle>
-            <a:lvl1pPr algn="l" defTabSz="914400" rtl="0" eaLnBrk="1" latinLnBrk="0" hangingPunct="1">
-              <a:lnSpc>
-                <a:spcPct val="90%"/>
-              </a:lnSpc>
-              <a:spcBef>
-                <a:spcPct val="0%"/>
-              </a:spcBef>
-              <a:buNone/>
-              <a:defRPr sz="3200" kern="1200">
-                <a:solidFill>
-                  <a:schemeClr val="tx1"/>
-                </a:solidFill>
-                <a:latin typeface="+mj-lt"/>
-                <a:ea typeface="+mj-ea"/>
-                <a:cs typeface="+mj-cs"/>
-              </a:defRPr>
-            </a:lvl1pPr>
-          </a:lstStyle>
-          <a:p>
-            <a:r>
-              <a:rPr lang="it-IT" sz="1500">
-                <a:solidFill>
-                  <a:srgbClr val="FF0000"/>
-                </a:solidFill>
-              </a:rPr>
-              <a:t>15</a:t>
-            </a:r>
-            <a:endParaRPr lang="it-IT" sz="1500" dirty="0">
-              <a:solidFill>
-                <a:srgbClr val="FF0000"/>
-              </a:solidFill>
-            </a:endParaRPr>
-          </a:p>
-        </p:txBody>
-      </p:sp>
-      <p:sp>
-        <p:nvSpPr>
-          <p:cNvPr id="32" name="Titolo 11">
-            <a:extLst>
-              <a:ext uri="{FF2B5EF4-FFF2-40B4-BE49-F238E27FC236}">
-                <a16:creationId xmlns:a16="http://schemas.microsoft.com/office/drawing/2014/main" id="{FAEE28C4-3F29-4320-B259-2A2D6179AFCE}"/>
-              </a:ext>
-            </a:extLst>
-          </p:cNvPr>
-          <p:cNvSpPr txBox="1">
-            <a:spLocks/>
-          </p:cNvSpPr>
-          <p:nvPr/>
-        </p:nvSpPr>
-        <p:spPr>
-          <a:xfrm>
-            <a:off x="10397331" y="4505325"/>
-            <a:ext cx="842169" cy="600075"/>
-          </a:xfrm>
-          <a:prstGeom prst="rect">
-            <a:avLst/>
-          </a:prstGeom>
-        </p:spPr>
-        <p:txBody>
-          <a:bodyPr vert="horz" lIns="91440" tIns="45720" rIns="91440" bIns="45720" rtlCol="0" anchor="b">
-            <a:normAutofit/>
-          </a:bodyPr>
-          <a:lstStyle>
-            <a:lvl1pPr algn="l" defTabSz="914400" rtl="0" eaLnBrk="1" latinLnBrk="0" hangingPunct="1">
-              <a:lnSpc>
-                <a:spcPct val="90%"/>
-              </a:lnSpc>
-              <a:spcBef>
-                <a:spcPct val="0%"/>
-              </a:spcBef>
-              <a:buNone/>
-              <a:defRPr sz="3200" kern="1200">
-                <a:solidFill>
-                  <a:schemeClr val="tx1"/>
-                </a:solidFill>
-                <a:latin typeface="+mj-lt"/>
-                <a:ea typeface="+mj-ea"/>
-                <a:cs typeface="+mj-cs"/>
-              </a:defRPr>
-            </a:lvl1pPr>
-          </a:lstStyle>
-          <a:p>
-            <a:r>
-              <a:rPr lang="it-IT" sz="1500">
-                <a:solidFill>
-                  <a:srgbClr val="FF0000"/>
-                </a:solidFill>
-              </a:rPr>
-              <a:t>15</a:t>
-            </a:r>
-            <a:endParaRPr lang="it-IT" sz="1500" dirty="0">
-              <a:solidFill>
-                <a:srgbClr val="FF0000"/>
-              </a:solidFill>
-            </a:endParaRPr>
-          </a:p>
-        </p:txBody>
-      </p:sp>
       <p:cxnSp>
         <p:nvCxnSpPr>
           <p:cNvPr id="42" name="Connettore diritto 41">
@@ -4015,7 +3750,7 @@
           </a:lstStyle>
           <a:p>
             <a:r>
-              <a:rPr lang="it-IT" sz="1500" u="sng" dirty="0">
+              <a:rPr lang="it-IT" sz="1500" u="sng">
                 <a:solidFill>
                   <a:srgbClr val="FF0000"/>
                 </a:solidFill>
@@ -4023,30 +3758,17 @@
               <a:t>400px</a:t>
             </a:r>
             <a:r>
-              <a:rPr lang="it-IT" sz="1500" dirty="0">
+              <a:rPr lang="it-IT" sz="1500">
                 <a:solidFill>
                   <a:srgbClr val="FF0000"/>
                 </a:solidFill>
               </a:rPr>
-              <a:t> </a:t>
-            </a:r>
-            <a:r>
-              <a:rPr lang="it-IT" sz="1500" dirty="0" err="1">
-                <a:solidFill>
-                  <a:srgbClr val="FF0000"/>
-                </a:solidFill>
-              </a:rPr>
-              <a:t>height</a:t>
-            </a:r>
-            <a:endParaRPr lang="it-IT" sz="1500" dirty="0">
-              <a:solidFill>
-                <a:srgbClr val="FF0000"/>
-              </a:solidFill>
-            </a:endParaRPr>
-          </a:p>
-          <a:p>
-            <a:r>
-              <a:rPr lang="it-IT" sz="1500" dirty="0">
+              <a:t> height</a:t>
+            </a:r>
+          </a:p>
+          <a:p>
+            <a:r>
+              <a:rPr lang="it-IT" sz="1500">
                 <a:solidFill>
                   <a:srgbClr val="FF0000"/>
                 </a:solidFill>
@@ -4054,14 +3776,14 @@
               <a:t>100% </a:t>
             </a:r>
             <a:r>
-              <a:rPr lang="it-IT" sz="1500" dirty="0" err="1">
+              <a:rPr lang="it-IT" sz="1500" err="1">
                 <a:solidFill>
                   <a:srgbClr val="FF0000"/>
                 </a:solidFill>
               </a:rPr>
               <a:t>width</a:t>
             </a:r>
-            <a:endParaRPr lang="it-IT" sz="1500" dirty="0">
+            <a:endParaRPr lang="it-IT" sz="1500">
               <a:solidFill>
                 <a:srgbClr val="FF0000"/>
               </a:solidFill>
@@ -4246,15 +3968,81 @@
           </a:lstStyle>
           <a:p>
             <a:r>
-              <a:rPr lang="it-IT" sz="1500" u="sng" dirty="0">
+              <a:rPr lang="it-IT" sz="1500" u="sng">
                 <a:solidFill>
                   <a:srgbClr val="FF0000"/>
                 </a:solidFill>
               </a:rPr>
-              <a:t>400px</a:t>
-            </a:r>
-            <a:r>
-              <a:rPr lang="it-IT" sz="1500" dirty="0">
+              <a:t>400 </a:t>
+            </a:r>
+            <a:r>
+              <a:rPr lang="it-IT" sz="1500" u="sng" err="1">
+                <a:solidFill>
+                  <a:srgbClr val="FF0000"/>
+                </a:solidFill>
+              </a:rPr>
+              <a:t>px</a:t>
+            </a:r>
+            <a:r>
+              <a:rPr lang="it-IT" sz="1500">
+                <a:solidFill>
+                  <a:srgbClr val="FF0000"/>
+                </a:solidFill>
+              </a:rPr>
+              <a:t> height</a:t>
+            </a:r>
+          </a:p>
+          <a:p>
+            <a:r>
+              <a:rPr lang="it-IT" sz="1500">
+                <a:solidFill>
+                  <a:srgbClr val="FF0000"/>
+                </a:solidFill>
+              </a:rPr>
+              <a:t>45% </a:t>
+            </a:r>
+            <a:r>
+              <a:rPr lang="it-IT" sz="1500" err="1">
+                <a:solidFill>
+                  <a:srgbClr val="FF0000"/>
+                </a:solidFill>
+              </a:rPr>
+              <a:t>width</a:t>
+            </a:r>
+            <a:r>
+              <a:rPr lang="it-IT" sz="1500">
+                <a:solidFill>
+                  <a:srgbClr val="FF0000"/>
+                </a:solidFill>
+              </a:rPr>
+              <a:t> per ciascuna delle due immagini(display </a:t>
+            </a:r>
+            <a:r>
+              <a:rPr lang="it-IT" sz="1500" err="1">
+                <a:solidFill>
+                  <a:srgbClr val="FF0000"/>
+                </a:solidFill>
+              </a:rPr>
+              <a:t>flex</a:t>
+            </a:r>
+            <a:r>
+              <a:rPr lang="it-IT" sz="1500">
+                <a:solidFill>
+                  <a:srgbClr val="FF0000"/>
+                </a:solidFill>
+              </a:rPr>
+              <a:t> con </a:t>
+            </a:r>
+            <a:r>
+              <a:rPr lang="it-IT" sz="1500" err="1">
+                <a:solidFill>
+                  <a:srgbClr val="FF0000"/>
+                </a:solidFill>
+              </a:rPr>
+              <a:t>row</a:t>
+            </a:r>
+            <a:r>
+              <a:rPr lang="it-IT" sz="1500">
                 <a:solidFill>
                   <a:srgbClr val="FF0000"/>
                 </a:solidFill>
@@ -4262,70 +4050,31 @@
               <a:t> </a:t>
             </a:r>
             <a:r>
-              <a:rPr lang="it-IT" sz="1500" dirty="0" err="1">
+              <a:rPr lang="it-IT" sz="1500" err="1">
                 <a:solidFill>
                   <a:srgbClr val="FF0000"/>
                 </a:solidFill>
               </a:rPr>
-              <a:t>height</a:t>
-            </a:r>
-            <a:endParaRPr lang="it-IT" sz="1500" dirty="0">
-              <a:solidFill>
-                <a:srgbClr val="FF0000"/>
-              </a:solidFill>
-            </a:endParaRPr>
-          </a:p>
-          <a:p>
-            <a:r>
-              <a:rPr lang="it-IT" sz="1500" dirty="0">
+              <a:t>direction</a:t>
+            </a:r>
+            <a:r>
+              <a:rPr lang="it-IT" sz="1500">
                 <a:solidFill>
                   <a:srgbClr val="FF0000"/>
                 </a:solidFill>
               </a:rPr>
-              <a:t>45% </a:t>
-            </a:r>
-            <a:r>
-              <a:rPr lang="it-IT" sz="1500" dirty="0" err="1">
+              <a:t> e </a:t>
+            </a:r>
+            <a:r>
+              <a:rPr lang="it-IT" sz="1500" err="1">
                 <a:solidFill>
                   <a:srgbClr val="FF0000"/>
                 </a:solidFill>
               </a:rPr>
-              <a:t>width</a:t>
-            </a:r>
-            <a:r>
-              <a:rPr lang="it-IT" sz="1500" dirty="0">
-                <a:solidFill>
-                  <a:srgbClr val="FF0000"/>
-                </a:solidFill>
-              </a:rPr>
-              <a:t> per ciascuna delle due immagini(display </a:t>
-            </a:r>
-            <a:r>
-              <a:rPr lang="it-IT" sz="1500" dirty="0" err="1">
-                <a:solidFill>
-                  <a:srgbClr val="FF0000"/>
-                </a:solidFill>
-              </a:rPr>
-              <a:t>flex</a:t>
-            </a:r>
-            <a:r>
-              <a:rPr lang="it-IT" sz="1500" dirty="0">
-                <a:solidFill>
-                  <a:srgbClr val="FF0000"/>
-                </a:solidFill>
-              </a:rPr>
-              <a:t> con </a:t>
-            </a:r>
-            <a:r>
-              <a:rPr lang="it-IT" sz="1500" dirty="0" err="1">
-                <a:solidFill>
-                  <a:srgbClr val="FF0000"/>
-                </a:solidFill>
-              </a:rPr>
-              <a:t>row</a:t>
-            </a:r>
-            <a:r>
-              <a:rPr lang="it-IT" sz="1500" dirty="0">
+              <a:t>justify:space</a:t>
+            </a:r>
+            <a:r>
+              <a:rPr lang="it-IT" sz="1500">
                 <a:solidFill>
                   <a:srgbClr val="FF0000"/>
                 </a:solidFill>
@@ -4333,46 +4082,14 @@
               <a:t> </a:t>
             </a:r>
             <a:r>
-              <a:rPr lang="it-IT" sz="1500" dirty="0" err="1">
-                <a:solidFill>
-                  <a:srgbClr val="FF0000"/>
-                </a:solidFill>
-              </a:rPr>
-              <a:t>direction</a:t>
-            </a:r>
-            <a:r>
-              <a:rPr lang="it-IT" sz="1500" dirty="0">
-                <a:solidFill>
-                  <a:srgbClr val="FF0000"/>
-                </a:solidFill>
-              </a:rPr>
-              <a:t> e </a:t>
-            </a:r>
-            <a:r>
-              <a:rPr lang="it-IT" sz="1500" dirty="0" err="1">
-                <a:solidFill>
-                  <a:srgbClr val="FF0000"/>
-                </a:solidFill>
-              </a:rPr>
-              <a:t>justify:space</a:t>
-            </a:r>
-            <a:r>
-              <a:rPr lang="it-IT" sz="1500" dirty="0">
-                <a:solidFill>
-                  <a:srgbClr val="FF0000"/>
-                </a:solidFill>
-              </a:rPr>
-              <a:t> </a:t>
-            </a:r>
-            <a:r>
-              <a:rPr lang="it-IT" sz="1500" dirty="0" err="1">
+              <a:rPr lang="it-IT" sz="1500" err="1">
                 <a:solidFill>
                   <a:srgbClr val="FF0000"/>
                 </a:solidFill>
               </a:rPr>
               <a:t>around</a:t>
             </a:r>
-            <a:endParaRPr lang="it-IT" sz="1500" dirty="0">
+            <a:endParaRPr lang="it-IT" sz="1500">
               <a:solidFill>
                 <a:srgbClr val="FF0000"/>
               </a:solidFill>
@@ -4393,7 +4110,7 @@
 </p:sld>
 </file>
 
-<file path=ppt/slides/slide3.xml><?xml version="1.0" encoding="utf-8"?>
+<file path=ppt/slides/slide4.xml><?xml version="1.0" encoding="utf-8"?>
 <p:sld xmlns:a="http://purl.oclc.org/ooxml/drawingml/main" xmlns:r="http://purl.oclc.org/ooxml/officeDocument/relationships" xmlns:p="http://purl.oclc.org/ooxml/presentationml/main">
   <p:cSld>
     <p:spTree>
@@ -4488,7 +4205,7 @@
           </a:lstStyle>
           <a:p>
             <a:r>
-              <a:rPr lang="it-IT" sz="1500" dirty="0">
+              <a:rPr lang="it-IT" sz="1500">
                 <a:solidFill>
                   <a:srgbClr val="FF0000"/>
                 </a:solidFill>
@@ -4496,7 +4213,7 @@
               <a:t>200 </a:t>
             </a:r>
             <a:r>
-              <a:rPr lang="it-IT" sz="1500" dirty="0" err="1">
+              <a:rPr lang="it-IT" sz="1500" err="1">
                 <a:solidFill>
                   <a:srgbClr val="FF0000"/>
                 </a:solidFill>
@@ -4504,7 +4221,7 @@
               <a:t>px</a:t>
             </a:r>
             <a:r>
-              <a:rPr lang="it-IT" sz="1500" dirty="0">
+              <a:rPr lang="it-IT" sz="1500">
                 <a:solidFill>
                   <a:srgbClr val="FF0000"/>
                 </a:solidFill>
@@ -4512,7 +4229,7 @@
               <a:t> di altezza con </a:t>
             </a:r>
             <a:r>
-              <a:rPr lang="it-IT" sz="1500" dirty="0" err="1">
+              <a:rPr lang="it-IT" sz="1500" err="1">
                 <a:solidFill>
                   <a:srgbClr val="FF0000"/>
                 </a:solidFill>
@@ -4520,7 +4237,7 @@
               <a:t>justify-content</a:t>
             </a:r>
             <a:r>
-              <a:rPr lang="it-IT" sz="1500" dirty="0">
+              <a:rPr lang="it-IT" sz="1500">
                 <a:solidFill>
                   <a:srgbClr val="FF0000"/>
                 </a:solidFill>
@@ -4528,7 +4245,7 @@
               <a:t> </a:t>
             </a:r>
             <a:r>
-              <a:rPr lang="it-IT" sz="1500" dirty="0" err="1">
+              <a:rPr lang="it-IT" sz="1500" err="1">
                 <a:solidFill>
                   <a:srgbClr val="FF0000"/>
                 </a:solidFill>
@@ -4536,7 +4253,7 @@
               <a:t>space</a:t>
             </a:r>
             <a:r>
-              <a:rPr lang="it-IT" sz="1500" dirty="0">
+              <a:rPr lang="it-IT" sz="1500">
                 <a:solidFill>
                   <a:srgbClr val="FF0000"/>
                 </a:solidFill>
@@ -4544,7 +4261,7 @@
               <a:t> </a:t>
             </a:r>
             <a:r>
-              <a:rPr lang="it-IT" sz="1500" dirty="0" err="1">
+              <a:rPr lang="it-IT" sz="1500" err="1">
                 <a:solidFill>
                   <a:srgbClr val="FF0000"/>
                 </a:solidFill>
@@ -4552,7 +4269,7 @@
               <a:t>around</a:t>
             </a:r>
             <a:r>
-              <a:rPr lang="it-IT" sz="1500" dirty="0">
+              <a:rPr lang="it-IT" sz="1500">
                 <a:solidFill>
                   <a:srgbClr val="FF0000"/>
                 </a:solidFill>
@@ -4560,7 +4277,7 @@
               <a:t> e un </a:t>
             </a:r>
             <a:r>
-              <a:rPr lang="it-IT" sz="1500" dirty="0" err="1">
+              <a:rPr lang="it-IT" sz="1500" err="1">
                 <a:solidFill>
                   <a:srgbClr val="FF0000"/>
                 </a:solidFill>
@@ -4568,7 +4285,7 @@
               <a:t>padding-right</a:t>
             </a:r>
             <a:r>
-              <a:rPr lang="it-IT" sz="1500" dirty="0">
+              <a:rPr lang="it-IT" sz="1500">
                 <a:solidFill>
                   <a:srgbClr val="FF0000"/>
                 </a:solidFill>
@@ -4576,7 +4293,7 @@
               <a:t> 5% per il paragrafo in rosso e </a:t>
             </a:r>
             <a:r>
-              <a:rPr lang="it-IT" sz="1500" dirty="0" err="1">
+              <a:rPr lang="it-IT" sz="1500" err="1">
                 <a:solidFill>
                   <a:srgbClr val="FF0000"/>
                 </a:solidFill>
@@ -4584,7 +4301,7 @@
               <a:t>padding-right</a:t>
             </a:r>
             <a:r>
-              <a:rPr lang="it-IT" sz="1500" dirty="0">
+              <a:rPr lang="it-IT" sz="1500">
                 <a:solidFill>
                   <a:srgbClr val="FF0000"/>
                 </a:solidFill>
@@ -4811,47 +4528,6 @@
       </p:cxnSp>
       <p:cxnSp>
         <p:nvCxnSpPr>
-          <p:cNvPr id="19" name="Connettore diritto 18">
-            <a:extLst>
-              <a:ext uri="{FF2B5EF4-FFF2-40B4-BE49-F238E27FC236}">
-                <a16:creationId xmlns:a16="http://schemas.microsoft.com/office/drawing/2014/main" id="{4BF9624C-9598-4FB8-AC02-DD54C56F0CAF}"/>
-              </a:ext>
-            </a:extLst>
-          </p:cNvPr>
-          <p:cNvCxnSpPr/>
-          <p:nvPr/>
-        </p:nvCxnSpPr>
-        <p:spPr>
-          <a:xfrm>
-            <a:off x="844583" y="2470211"/>
-            <a:ext cx="0" cy="896645"/>
-          </a:xfrm>
-          <a:prstGeom prst="line">
-            <a:avLst/>
-          </a:prstGeom>
-          <a:ln>
-            <a:solidFill>
-              <a:srgbClr val="FF0000"/>
-            </a:solidFill>
-          </a:ln>
-        </p:spPr>
-        <p:style>
-          <a:lnRef idx="1">
-            <a:schemeClr val="accent1"/>
-          </a:lnRef>
-          <a:fillRef idx="0">
-            <a:schemeClr val="accent1"/>
-          </a:fillRef>
-          <a:effectRef idx="0">
-            <a:schemeClr val="accent1"/>
-          </a:effectRef>
-          <a:fontRef idx="minor">
-            <a:schemeClr val="tx1"/>
-          </a:fontRef>
-        </p:style>
-      </p:cxnSp>
-      <p:cxnSp>
-        <p:nvCxnSpPr>
           <p:cNvPr id="20" name="Connettore diritto 19">
             <a:extLst>
               <a:ext uri="{FF2B5EF4-FFF2-40B4-BE49-F238E27FC236}">
@@ -4941,7 +4617,7 @@
           </a:lstStyle>
           <a:p>
             <a:r>
-              <a:rPr lang="it-IT" sz="1500" dirty="0">
+              <a:rPr lang="it-IT" sz="1500">
                 <a:solidFill>
                   <a:srgbClr val="FF0000"/>
                 </a:solidFill>
@@ -4949,7 +4625,7 @@
               <a:t>Immagine con larghezza 50% e altezza 400 </a:t>
             </a:r>
             <a:r>
-              <a:rPr lang="it-IT" sz="1500" dirty="0" err="1">
+              <a:rPr lang="it-IT" sz="1500" err="1">
                 <a:solidFill>
                   <a:srgbClr val="FF0000"/>
                 </a:solidFill>
@@ -4957,7 +4633,7 @@
               <a:t>px</a:t>
             </a:r>
             <a:r>
-              <a:rPr lang="it-IT" sz="1500" dirty="0">
+              <a:rPr lang="it-IT" sz="1500">
                 <a:solidFill>
                   <a:srgbClr val="FF0000"/>
                 </a:solidFill>
@@ -4965,7 +4641,7 @@
               <a:t> centrata tramite </a:t>
             </a:r>
             <a:r>
-              <a:rPr lang="it-IT" sz="1500" dirty="0" err="1">
+              <a:rPr lang="it-IT" sz="1500" err="1">
                 <a:solidFill>
                   <a:srgbClr val="FF0000"/>
                 </a:solidFill>
@@ -4973,7 +4649,7 @@
               <a:t>text-align:center</a:t>
             </a:r>
             <a:r>
-              <a:rPr lang="it-IT" sz="1500" dirty="0">
+              <a:rPr lang="it-IT" sz="1500">
                 <a:solidFill>
                   <a:srgbClr val="FF0000"/>
                 </a:solidFill>
@@ -4996,7 +4672,7 @@
 </p:sld>
 </file>
 
-<file path=ppt/slides/slide4.xml><?xml version="1.0" encoding="utf-8"?>
+<file path=ppt/slides/slide5.xml><?xml version="1.0" encoding="utf-8"?>
 <p:sld xmlns:a="http://purl.oclc.org/ooxml/drawingml/main" xmlns:r="http://purl.oclc.org/ooxml/officeDocument/relationships" xmlns:p="http://purl.oclc.org/ooxml/presentationml/main">
   <p:cSld>
     <p:spTree>
@@ -5347,7 +5023,7 @@
           </a:lstStyle>
           <a:p>
             <a:r>
-              <a:rPr lang="it-IT" sz="1600" dirty="0">
+              <a:rPr lang="it-IT" sz="1600">
                 <a:solidFill>
                   <a:srgbClr val="FF0000"/>
                 </a:solidFill>
@@ -5405,28 +5081,12 @@
           </a:lstStyle>
           <a:p>
             <a:r>
-              <a:rPr lang="it-IT" sz="1600" dirty="0">
+              <a:rPr lang="it-IT" sz="1600">
                 <a:solidFill>
                   <a:srgbClr val="FF0000"/>
                 </a:solidFill>
               </a:rPr>
-              <a:t>Altezza 50px con testo allineato centralmente e larghezza di tutta la </a:t>
-            </a:r>
-            <a:r>
-              <a:rPr lang="it-IT" sz="1600" dirty="0" err="1">
-                <a:solidFill>
-                  <a:srgbClr val="FF0000"/>
-                </a:solidFill>
-              </a:rPr>
-              <a:t>vw</a:t>
-            </a:r>
-            <a:r>
-              <a:rPr lang="it-IT" sz="1600" dirty="0">
-                <a:solidFill>
-                  <a:srgbClr val="FF0000"/>
-                </a:solidFill>
-              </a:rPr>
-              <a:t>  </a:t>
+              <a:t>Altezza 50px con testo allineato centralmente e larghezza di tutta la vw  </a:t>
             </a:r>
           </a:p>
         </p:txBody>
